--- a/CurrentWork_Delta/Shounak Test Framework.pptx
+++ b/CurrentWork_Delta/Shounak Test Framework.pptx
@@ -3834,8 +3834,8 @@
       </dsp:nvSpPr>
       <dsp:spPr>
         <a:xfrm>
-          <a:off x="2136" y="3707511"/>
-          <a:ext cx="8123727" cy="1709208"/>
+          <a:off x="3204" y="4713922"/>
+          <a:ext cx="12185591" cy="2143125"/>
         </a:xfrm>
         <a:prstGeom prst="flowChartMultidocument">
           <a:avLst/>
@@ -3875,12 +3875,12 @@
         </a:fontRef>
       </dsp:style>
       <dsp:txBody>
-        <a:bodyPr spcFirstLastPara="0" vert="horz" wrap="square" lIns="144780" tIns="144780" rIns="144780" bIns="144780" numCol="1" spcCol="1270" anchor="ctr" anchorCtr="0">
+        <a:bodyPr spcFirstLastPara="0" vert="horz" wrap="square" lIns="205740" tIns="205740" rIns="205740" bIns="205740" numCol="1" spcCol="1270" anchor="ctr" anchorCtr="0">
           <a:noAutofit/>
         </a:bodyPr>
         <a:lstStyle/>
         <a:p>
-          <a:pPr lvl="0" algn="ctr" defTabSz="1689100">
+          <a:pPr lvl="0" algn="ctr" defTabSz="2400300">
             <a:lnSpc>
               <a:spcPct val="90000"/>
             </a:lnSpc>
@@ -3892,19 +3892,19 @@
             </a:spcAft>
           </a:pPr>
           <a:r>
-            <a:rPr lang="en-US" sz="3800" kern="1200" dirty="0" smtClean="0"/>
+            <a:rPr lang="en-US" sz="5400" kern="1200" dirty="0" smtClean="0"/>
             <a:t>Base </a:t>
           </a:r>
           <a:r>
-            <a:rPr lang="en-US" sz="3800" kern="1200" dirty="0" smtClean="0"/>
+            <a:rPr lang="en-US" sz="5400" kern="1200" dirty="0" smtClean="0"/>
             <a:t>Framework Classes &amp; Methods</a:t>
           </a:r>
-          <a:endParaRPr lang="en-US" sz="3800" kern="1200" dirty="0"/>
+          <a:endParaRPr lang="en-US" sz="5400" kern="1200" dirty="0"/>
         </a:p>
       </dsp:txBody>
       <dsp:txXfrm>
-        <a:off x="2136" y="3998314"/>
-        <a:ext cx="6993551" cy="1353677"/>
+        <a:off x="3204" y="5078551"/>
+        <a:ext cx="10490327" cy="1697335"/>
       </dsp:txXfrm>
     </dsp:sp>
     <dsp:sp modelId="{EB73F81A-3F2E-4BAA-8D10-655960E58E5C}">
@@ -3914,8 +3914,8 @@
       </dsp:nvSpPr>
       <dsp:spPr>
         <a:xfrm>
-          <a:off x="56393" y="1854729"/>
-          <a:ext cx="2643152" cy="1709208"/>
+          <a:off x="84590" y="2357437"/>
+          <a:ext cx="3964729" cy="2143125"/>
         </a:xfrm>
         <a:prstGeom prst="flowChartMultidocument">
           <a:avLst/>
@@ -3955,12 +3955,12 @@
         </a:fontRef>
       </dsp:style>
       <dsp:txBody>
-        <a:bodyPr spcFirstLastPara="0" vert="horz" wrap="square" lIns="68580" tIns="68580" rIns="68580" bIns="68580" numCol="1" spcCol="1270" anchor="ctr" anchorCtr="0">
+        <a:bodyPr spcFirstLastPara="0" vert="horz" wrap="square" lIns="99060" tIns="99060" rIns="99060" bIns="99060" numCol="1" spcCol="1270" anchor="ctr" anchorCtr="0">
           <a:noAutofit/>
         </a:bodyPr>
         <a:lstStyle/>
         <a:p>
-          <a:pPr lvl="0" algn="ctr" defTabSz="800100">
+          <a:pPr lvl="0" algn="ctr" defTabSz="1155700">
             <a:lnSpc>
               <a:spcPct val="90000"/>
             </a:lnSpc>
@@ -3972,19 +3972,19 @@
             </a:spcAft>
           </a:pPr>
           <a:r>
-            <a:rPr lang="en-US" sz="1800" kern="1200" dirty="0" smtClean="0"/>
+            <a:rPr lang="en-US" sz="2600" kern="1200" dirty="0" smtClean="0"/>
             <a:t>Marketplace </a:t>
           </a:r>
           <a:r>
-            <a:rPr lang="en-US" sz="1800" kern="1200" dirty="0" smtClean="0"/>
+            <a:rPr lang="en-US" sz="2600" kern="1200" dirty="0" smtClean="0"/>
             <a:t>Classes &amp; Methods</a:t>
           </a:r>
-          <a:endParaRPr lang="en-US" sz="1800" kern="1200" dirty="0"/>
+          <a:endParaRPr lang="en-US" sz="2600" kern="1200" dirty="0"/>
         </a:p>
       </dsp:txBody>
       <dsp:txXfrm>
-        <a:off x="56393" y="2145532"/>
-        <a:ext cx="2275436" cy="1353677"/>
+        <a:off x="84590" y="2722066"/>
+        <a:ext cx="3413154" cy="1697335"/>
       </dsp:txXfrm>
     </dsp:sp>
     <dsp:sp modelId="{B381DB1B-2DC1-413F-A695-21C9657B80B6}">
@@ -3994,8 +3994,8 @@
       </dsp:nvSpPr>
       <dsp:spPr>
         <a:xfrm>
-          <a:off x="10065" y="1947"/>
-          <a:ext cx="1402194" cy="1709208"/>
+          <a:off x="15098" y="952"/>
+          <a:ext cx="2103292" cy="2143125"/>
         </a:xfrm>
         <a:prstGeom prst="flowChartMultidocument">
           <a:avLst/>
@@ -4035,12 +4035,12 @@
         </a:fontRef>
       </dsp:style>
       <dsp:txBody>
-        <a:bodyPr spcFirstLastPara="0" vert="horz" wrap="square" lIns="68580" tIns="68580" rIns="68580" bIns="68580" numCol="1" spcCol="1270" anchor="ctr" anchorCtr="0">
+        <a:bodyPr spcFirstLastPara="0" vert="horz" wrap="square" lIns="99060" tIns="99060" rIns="99060" bIns="99060" numCol="1" spcCol="1270" anchor="ctr" anchorCtr="0">
           <a:noAutofit/>
         </a:bodyPr>
         <a:lstStyle/>
         <a:p>
-          <a:pPr lvl="0" algn="ctr" defTabSz="800100">
+          <a:pPr lvl="0" algn="ctr" defTabSz="1155700">
             <a:lnSpc>
               <a:spcPct val="90000"/>
             </a:lnSpc>
@@ -4052,15 +4052,15 @@
             </a:spcAft>
           </a:pPr>
           <a:r>
-            <a:rPr lang="en-US" sz="1800" kern="1200" dirty="0" smtClean="0"/>
+            <a:rPr lang="en-US" sz="2600" kern="1200" dirty="0" smtClean="0"/>
             <a:t>Test Scripts: Buying</a:t>
           </a:r>
-          <a:endParaRPr lang="en-US" sz="1800" kern="1200" dirty="0"/>
+          <a:endParaRPr lang="en-US" sz="2600" kern="1200" dirty="0"/>
         </a:p>
       </dsp:txBody>
       <dsp:txXfrm>
-        <a:off x="10065" y="292750"/>
-        <a:ext cx="1207120" cy="1353677"/>
+        <a:off x="15098" y="365581"/>
+        <a:ext cx="1810681" cy="1697335"/>
       </dsp:txXfrm>
     </dsp:sp>
     <dsp:sp modelId="{B6086ABC-00FA-43FB-BF1E-CBC230605DFB}">
@@ -4070,8 +4070,8 @@
       </dsp:nvSpPr>
       <dsp:spPr>
         <a:xfrm>
-          <a:off x="1471152" y="1947"/>
-          <a:ext cx="1402194" cy="1709208"/>
+          <a:off x="2206728" y="952"/>
+          <a:ext cx="2103292" cy="2143125"/>
         </a:xfrm>
         <a:prstGeom prst="flowChartMultidocument">
           <a:avLst/>
@@ -4111,12 +4111,12 @@
         </a:fontRef>
       </dsp:style>
       <dsp:txBody>
-        <a:bodyPr spcFirstLastPara="0" vert="horz" wrap="square" lIns="68580" tIns="68580" rIns="68580" bIns="68580" numCol="1" spcCol="1270" anchor="ctr" anchorCtr="0">
+        <a:bodyPr spcFirstLastPara="0" vert="horz" wrap="square" lIns="99060" tIns="99060" rIns="99060" bIns="99060" numCol="1" spcCol="1270" anchor="ctr" anchorCtr="0">
           <a:noAutofit/>
         </a:bodyPr>
         <a:lstStyle/>
         <a:p>
-          <a:pPr lvl="0" algn="ctr" defTabSz="800100">
+          <a:pPr lvl="0" algn="ctr" defTabSz="1155700">
             <a:lnSpc>
               <a:spcPct val="90000"/>
             </a:lnSpc>
@@ -4128,15 +4128,15 @@
             </a:spcAft>
           </a:pPr>
           <a:r>
-            <a:rPr lang="en-US" sz="1800" kern="1200" dirty="0" smtClean="0"/>
+            <a:rPr lang="en-US" sz="2600" kern="1200" dirty="0" smtClean="0"/>
             <a:t>Test Scripts: Shopping</a:t>
           </a:r>
-          <a:endParaRPr lang="en-US" sz="1800" kern="1200" dirty="0"/>
+          <a:endParaRPr lang="en-US" sz="2600" kern="1200" dirty="0"/>
         </a:p>
       </dsp:txBody>
       <dsp:txXfrm>
-        <a:off x="1471152" y="292750"/>
-        <a:ext cx="1207120" cy="1353677"/>
+        <a:off x="2206728" y="365581"/>
+        <a:ext cx="1810681" cy="1697335"/>
       </dsp:txXfrm>
     </dsp:sp>
     <dsp:sp modelId="{F3D491C7-07BA-46FE-9B34-88A35076D112}">
@@ -4146,8 +4146,8 @@
       </dsp:nvSpPr>
       <dsp:spPr>
         <a:xfrm>
-          <a:off x="3029941" y="2022214"/>
-          <a:ext cx="2529681" cy="1541723"/>
+          <a:off x="4544911" y="2567442"/>
+          <a:ext cx="3794522" cy="1933120"/>
         </a:xfrm>
         <a:prstGeom prst="flowChartMultidocument">
           <a:avLst/>
@@ -4187,12 +4187,12 @@
         </a:fontRef>
       </dsp:style>
       <dsp:txBody>
-        <a:bodyPr spcFirstLastPara="0" vert="horz" wrap="square" lIns="68580" tIns="68580" rIns="68580" bIns="68580" numCol="1" spcCol="1270" anchor="ctr" anchorCtr="0">
+        <a:bodyPr spcFirstLastPara="0" vert="horz" wrap="square" lIns="99060" tIns="99060" rIns="99060" bIns="99060" numCol="1" spcCol="1270" anchor="ctr" anchorCtr="0">
           <a:noAutofit/>
         </a:bodyPr>
         <a:lstStyle/>
         <a:p>
-          <a:pPr lvl="0" algn="ctr" defTabSz="800100">
+          <a:pPr lvl="0" algn="ctr" defTabSz="1155700">
             <a:lnSpc>
               <a:spcPct val="90000"/>
             </a:lnSpc>
@@ -4204,15 +4204,15 @@
             </a:spcAft>
           </a:pPr>
           <a:r>
-            <a:rPr lang="en-US" sz="1800" kern="1200" dirty="0" smtClean="0"/>
+            <a:rPr lang="en-US" sz="2600" kern="1200" dirty="0" smtClean="0"/>
             <a:t>Provider Directory Classes &amp; Methods</a:t>
           </a:r>
-          <a:endParaRPr lang="en-US" sz="1800" kern="1200" dirty="0"/>
+          <a:endParaRPr lang="en-US" sz="2600" kern="1200" dirty="0"/>
         </a:p>
       </dsp:txBody>
       <dsp:txXfrm>
-        <a:off x="3029941" y="2284521"/>
-        <a:ext cx="2177751" cy="1221030"/>
+        <a:off x="4544911" y="2896341"/>
+        <a:ext cx="3266627" cy="1531013"/>
       </dsp:txXfrm>
     </dsp:sp>
     <dsp:sp modelId="{21F41221-6A37-4992-AA1C-1665022C4266}">
@@ -4222,8 +4222,8 @@
       </dsp:nvSpPr>
       <dsp:spPr>
         <a:xfrm>
-          <a:off x="3203704" y="31226"/>
-          <a:ext cx="1826050" cy="1709208"/>
+          <a:off x="4805556" y="37664"/>
+          <a:ext cx="2739075" cy="2143125"/>
         </a:xfrm>
         <a:prstGeom prst="flowChartMultidocument">
           <a:avLst/>
@@ -4263,12 +4263,12 @@
         </a:fontRef>
       </dsp:style>
       <dsp:txBody>
-        <a:bodyPr spcFirstLastPara="0" vert="horz" wrap="square" lIns="68580" tIns="68580" rIns="68580" bIns="68580" numCol="1" spcCol="1270" anchor="ctr" anchorCtr="0">
+        <a:bodyPr spcFirstLastPara="0" vert="horz" wrap="square" lIns="99060" tIns="99060" rIns="99060" bIns="99060" numCol="1" spcCol="1270" anchor="ctr" anchorCtr="0">
           <a:noAutofit/>
         </a:bodyPr>
         <a:lstStyle/>
         <a:p>
-          <a:pPr lvl="0" algn="ctr" defTabSz="800100">
+          <a:pPr lvl="0" algn="ctr" defTabSz="1155700">
             <a:lnSpc>
               <a:spcPct val="90000"/>
             </a:lnSpc>
@@ -4280,16 +4280,16 @@
             </a:spcAft>
           </a:pPr>
           <a:r>
-            <a:rPr lang="en-US" sz="1800" kern="1200" dirty="0" smtClean="0"/>
+            <a:rPr lang="en-US" sz="2600" kern="1200" dirty="0" smtClean="0"/>
             <a:t>Combined Test Scripts</a:t>
           </a:r>
           <a:r>
-            <a:rPr lang="en-US" sz="1800" kern="1200" dirty="0" smtClean="0"/>
+            <a:rPr lang="en-US" sz="2600" kern="1200" dirty="0" smtClean="0"/>
             <a:t>:</a:t>
           </a:r>
         </a:p>
         <a:p>
-          <a:pPr lvl="0" algn="ctr" defTabSz="800100">
+          <a:pPr lvl="0" algn="ctr" defTabSz="1155700">
             <a:lnSpc>
               <a:spcPct val="90000"/>
             </a:lnSpc>
@@ -4301,15 +4301,15 @@
             </a:spcAft>
           </a:pPr>
           <a:r>
-            <a:rPr lang="en-US" sz="1800" kern="1200" dirty="0" smtClean="0"/>
+            <a:rPr lang="en-US" sz="2600" kern="1200" dirty="0" smtClean="0"/>
             <a:t>Web UI and API </a:t>
           </a:r>
-          <a:endParaRPr lang="en-US" sz="1800" kern="1200" dirty="0"/>
+          <a:endParaRPr lang="en-US" sz="2600" kern="1200" dirty="0"/>
         </a:p>
       </dsp:txBody>
       <dsp:txXfrm>
-        <a:off x="3203704" y="322029"/>
-        <a:ext cx="1572009" cy="1353677"/>
+        <a:off x="4805556" y="402293"/>
+        <a:ext cx="2358014" cy="1697335"/>
       </dsp:txXfrm>
     </dsp:sp>
     <dsp:sp modelId="{2D805277-B685-4573-BA05-A39BB2A66457}">
@@ -4319,8 +4319,8 @@
       </dsp:nvSpPr>
       <dsp:spPr>
         <a:xfrm>
-          <a:off x="6190715" y="136838"/>
-          <a:ext cx="1721881" cy="1709208"/>
+          <a:off x="9286073" y="170087"/>
+          <a:ext cx="2582821" cy="2143125"/>
         </a:xfrm>
         <a:prstGeom prst="flowChartMultidocument">
           <a:avLst/>
@@ -4360,12 +4360,12 @@
         </a:fontRef>
       </dsp:style>
       <dsp:txBody>
-        <a:bodyPr spcFirstLastPara="0" vert="horz" wrap="square" lIns="68580" tIns="68580" rIns="68580" bIns="68580" numCol="1" spcCol="1270" anchor="ctr" anchorCtr="0">
+        <a:bodyPr spcFirstLastPara="0" vert="horz" wrap="square" lIns="99060" tIns="99060" rIns="99060" bIns="99060" numCol="1" spcCol="1270" anchor="ctr" anchorCtr="0">
           <a:noAutofit/>
         </a:bodyPr>
         <a:lstStyle/>
         <a:p>
-          <a:pPr lvl="0" algn="ctr" defTabSz="800100">
+          <a:pPr lvl="0" algn="ctr" defTabSz="1155700">
             <a:lnSpc>
               <a:spcPct val="90000"/>
             </a:lnSpc>
@@ -4377,15 +4377,15 @@
             </a:spcAft>
           </a:pPr>
           <a:r>
-            <a:rPr lang="en-US" sz="1800" kern="1200" dirty="0" smtClean="0"/>
+            <a:rPr lang="en-US" sz="2600" kern="1200" dirty="0" smtClean="0"/>
             <a:t>D2C Apps or any other Web App</a:t>
           </a:r>
-          <a:endParaRPr lang="en-US" sz="1800" kern="1200" dirty="0"/>
+          <a:endParaRPr lang="en-US" sz="2600" kern="1200" dirty="0"/>
         </a:p>
       </dsp:txBody>
       <dsp:txXfrm>
-        <a:off x="6190715" y="427641"/>
-        <a:ext cx="1482332" cy="1353677"/>
+        <a:off x="9286073" y="534716"/>
+        <a:ext cx="2223498" cy="1697335"/>
       </dsp:txXfrm>
     </dsp:sp>
     <dsp:sp modelId="{864FFBDF-FE52-4044-A8AC-5664EA9511D2}">
@@ -4395,8 +4395,8 @@
       </dsp:nvSpPr>
       <dsp:spPr>
         <a:xfrm>
-          <a:off x="6183999" y="1854729"/>
-          <a:ext cx="1402194" cy="1709208"/>
+          <a:off x="9275999" y="2357437"/>
+          <a:ext cx="2103292" cy="2143125"/>
         </a:xfrm>
         <a:prstGeom prst="flowChartMultidocument">
           <a:avLst/>
@@ -4436,12 +4436,12 @@
         </a:fontRef>
       </dsp:style>
       <dsp:txBody>
-        <a:bodyPr spcFirstLastPara="0" vert="horz" wrap="square" lIns="68580" tIns="68580" rIns="68580" bIns="68580" numCol="1" spcCol="1270" anchor="ctr" anchorCtr="0">
+        <a:bodyPr spcFirstLastPara="0" vert="horz" wrap="square" lIns="99060" tIns="99060" rIns="99060" bIns="99060" numCol="1" spcCol="1270" anchor="ctr" anchorCtr="0">
           <a:noAutofit/>
         </a:bodyPr>
         <a:lstStyle/>
         <a:p>
-          <a:pPr lvl="0" algn="ctr" defTabSz="800100">
+          <a:pPr lvl="0" algn="ctr" defTabSz="1155700">
             <a:lnSpc>
               <a:spcPct val="90000"/>
             </a:lnSpc>
@@ -4453,15 +4453,15 @@
             </a:spcAft>
           </a:pPr>
           <a:r>
-            <a:rPr lang="en-US" sz="1800" kern="1200" dirty="0" smtClean="0"/>
+            <a:rPr lang="en-US" sz="2600" kern="1200" dirty="0" smtClean="0"/>
             <a:t>Additional Application Classes &amp; Methods</a:t>
           </a:r>
-          <a:endParaRPr lang="en-US" sz="1800" kern="1200" dirty="0"/>
+          <a:endParaRPr lang="en-US" sz="2600" kern="1200" dirty="0"/>
         </a:p>
       </dsp:txBody>
       <dsp:txXfrm>
-        <a:off x="6183999" y="2145532"/>
-        <a:ext cx="1207120" cy="1353677"/>
+        <a:off x="9275999" y="2722066"/>
+        <a:ext cx="1810681" cy="1697335"/>
       </dsp:txXfrm>
     </dsp:sp>
   </dsp:spTree>
@@ -10466,14 +10466,14 @@
           <p:nvPr>
             <p:extLst>
               <p:ext uri="{D42A27DB-BD31-4B8C-83A1-F6EECF244321}">
-                <p14:modId xmlns:p14="http://schemas.microsoft.com/office/powerpoint/2010/main" val="1086228598"/>
+                <p14:modId xmlns:p14="http://schemas.microsoft.com/office/powerpoint/2010/main" val="2177310157"/>
               </p:ext>
             </p:extLst>
           </p:nvPr>
         </p:nvGraphicFramePr>
         <p:xfrm>
-          <a:off x="2010735" y="719666"/>
-          <a:ext cx="8128000" cy="5418667"/>
+          <a:off x="0" y="0"/>
+          <a:ext cx="12192000" cy="6858000"/>
         </p:xfrm>
         <a:graphic>
           <a:graphicData uri="http://schemas.openxmlformats.org/drawingml/2006/diagram">
@@ -10489,8 +10489,8 @@
         </p:nvCxnSpPr>
         <p:spPr>
           <a:xfrm flipH="1">
-            <a:off x="4938011" y="719666"/>
-            <a:ext cx="8626" cy="3597153"/>
+            <a:off x="4444409" y="145508"/>
+            <a:ext cx="2498" cy="4352064"/>
           </a:xfrm>
           <a:prstGeom prst="line">
             <a:avLst/>
@@ -10519,8 +10519,8 @@
         </p:nvSpPr>
         <p:spPr>
           <a:xfrm>
-            <a:off x="7756955" y="715833"/>
-            <a:ext cx="233916" cy="3600986"/>
+            <a:off x="8618192" y="0"/>
+            <a:ext cx="233916" cy="4770537"/>
           </a:xfrm>
           <a:prstGeom prst="rect">
             <a:avLst/>
@@ -10534,115 +10534,115 @@
           <a:lstStyle/>
           <a:p>
             <a:r>
-              <a:rPr lang="en-US" sz="1200" b="1" dirty="0" smtClean="0"/>
+              <a:rPr lang="en-US" sz="1600" b="1" dirty="0" smtClean="0"/>
               <a:t>A</a:t>
             </a:r>
           </a:p>
           <a:p>
             <a:r>
-              <a:rPr lang="en-US" sz="1200" b="1" dirty="0" smtClean="0"/>
+              <a:rPr lang="en-US" sz="1600" b="1" dirty="0" smtClean="0"/>
               <a:t>P</a:t>
             </a:r>
           </a:p>
           <a:p>
             <a:r>
-              <a:rPr lang="en-US" sz="1200" b="1" dirty="0" smtClean="0"/>
+              <a:rPr lang="en-US" sz="1600" b="1" dirty="0" smtClean="0"/>
               <a:t>P</a:t>
             </a:r>
           </a:p>
           <a:p>
             <a:r>
-              <a:rPr lang="en-US" sz="1200" b="1" dirty="0" smtClean="0"/>
+              <a:rPr lang="en-US" sz="1600" b="1" dirty="0" smtClean="0"/>
               <a:t>L</a:t>
             </a:r>
           </a:p>
           <a:p>
             <a:r>
-              <a:rPr lang="en-US" sz="1200" b="1" dirty="0" smtClean="0"/>
+              <a:rPr lang="en-US" sz="1600" b="1" dirty="0" smtClean="0"/>
               <a:t>I</a:t>
             </a:r>
           </a:p>
           <a:p>
             <a:r>
-              <a:rPr lang="en-US" sz="1200" b="1" dirty="0" smtClean="0"/>
+              <a:rPr lang="en-US" sz="1600" b="1" dirty="0" smtClean="0"/>
               <a:t>C</a:t>
             </a:r>
           </a:p>
           <a:p>
             <a:r>
-              <a:rPr lang="en-US" sz="1200" b="1" dirty="0" smtClean="0"/>
+              <a:rPr lang="en-US" sz="1600" b="1" dirty="0" smtClean="0"/>
               <a:t>A</a:t>
             </a:r>
           </a:p>
           <a:p>
             <a:r>
-              <a:rPr lang="en-US" sz="1200" b="1" dirty="0" smtClean="0"/>
+              <a:rPr lang="en-US" sz="1600" b="1" dirty="0" smtClean="0"/>
               <a:t>T</a:t>
             </a:r>
           </a:p>
           <a:p>
             <a:r>
-              <a:rPr lang="en-US" sz="1200" b="1" dirty="0" smtClean="0"/>
+              <a:rPr lang="en-US" sz="1600" b="1" dirty="0" smtClean="0"/>
               <a:t>I</a:t>
             </a:r>
           </a:p>
           <a:p>
             <a:r>
-              <a:rPr lang="en-US" sz="1200" b="1" dirty="0" smtClean="0"/>
+              <a:rPr lang="en-US" sz="1600" b="1" dirty="0" smtClean="0"/>
               <a:t>O</a:t>
             </a:r>
           </a:p>
           <a:p>
             <a:r>
-              <a:rPr lang="en-US" sz="1200" b="1" dirty="0" smtClean="0"/>
+              <a:rPr lang="en-US" sz="1600" b="1" dirty="0" smtClean="0"/>
               <a:t>N</a:t>
             </a:r>
           </a:p>
           <a:p>
-            <a:endParaRPr lang="en-US" sz="1200" b="1" dirty="0"/>
+            <a:endParaRPr lang="en-US" sz="1600" b="1" dirty="0"/>
           </a:p>
           <a:p>
             <a:r>
-              <a:rPr lang="en-US" sz="1200" b="1" dirty="0" smtClean="0"/>
+              <a:rPr lang="en-US" sz="1600" b="1" dirty="0" smtClean="0"/>
               <a:t>B</a:t>
             </a:r>
           </a:p>
           <a:p>
             <a:r>
-              <a:rPr lang="en-US" sz="1200" b="1" dirty="0" smtClean="0"/>
+              <a:rPr lang="en-US" sz="1600" b="1" dirty="0" smtClean="0"/>
               <a:t>O</a:t>
             </a:r>
           </a:p>
           <a:p>
             <a:r>
-              <a:rPr lang="en-US" sz="1200" b="1" dirty="0" smtClean="0"/>
+              <a:rPr lang="en-US" sz="1600" b="1" dirty="0" smtClean="0"/>
               <a:t>U</a:t>
             </a:r>
           </a:p>
           <a:p>
             <a:r>
-              <a:rPr lang="en-US" sz="1200" b="1" dirty="0" smtClean="0"/>
+              <a:rPr lang="en-US" sz="1600" b="1" dirty="0" smtClean="0"/>
               <a:t>N</a:t>
             </a:r>
           </a:p>
           <a:p>
             <a:r>
-              <a:rPr lang="en-US" sz="1200" b="1" dirty="0" smtClean="0"/>
+              <a:rPr lang="en-US" sz="1600" b="1" dirty="0" smtClean="0"/>
               <a:t>D</a:t>
             </a:r>
           </a:p>
           <a:p>
             <a:r>
-              <a:rPr lang="en-US" sz="1200" b="1" dirty="0" smtClean="0"/>
+              <a:rPr lang="en-US" sz="1600" b="1" dirty="0" smtClean="0"/>
               <a:t>R</a:t>
             </a:r>
           </a:p>
           <a:p>
             <a:r>
-              <a:rPr lang="en-US" sz="1200" b="1" dirty="0" smtClean="0"/>
+              <a:rPr lang="en-US" sz="1600" b="1" dirty="0" smtClean="0"/>
               <a:t>y</a:t>
             </a:r>
-            <a:endParaRPr lang="en-US" sz="1200" b="1" dirty="0"/>
+            <a:endParaRPr lang="en-US" sz="1600" b="1" dirty="0"/>
           </a:p>
         </p:txBody>
       </p:sp>
